--- a/_classes/01_css/css_bootcamp/CSS Bootcamp.pptx
+++ b/_classes/01_css/css_bootcamp/CSS Bootcamp.pptx
@@ -345,7 +345,7 @@
           <a:p>
             <a:fld id="{2318759A-D86D-E04E-A69A-5670DD5C43DA}" type="datetimeFigureOut">
               <a:rPr lang="en-US" smtClean="0"/>
-              <a:t>8/21/13</a:t>
+              <a:t>1/12/16</a:t>
             </a:fld>
             <a:endParaRPr lang="en-US"/>
           </a:p>
@@ -666,7 +666,7 @@
           <a:p>
             <a:fld id="{2318759A-D86D-E04E-A69A-5670DD5C43DA}" type="datetimeFigureOut">
               <a:rPr lang="en-US" smtClean="0"/>
-              <a:t>8/21/13</a:t>
+              <a:t>1/12/16</a:t>
             </a:fld>
             <a:endParaRPr lang="en-US"/>
           </a:p>
@@ -943,7 +943,7 @@
           <a:p>
             <a:fld id="{2318759A-D86D-E04E-A69A-5670DD5C43DA}" type="datetimeFigureOut">
               <a:rPr lang="en-US" smtClean="0"/>
-              <a:t>8/21/13</a:t>
+              <a:t>1/12/16</a:t>
             </a:fld>
             <a:endParaRPr lang="en-US"/>
           </a:p>
@@ -1237,7 +1237,7 @@
           <a:p>
             <a:fld id="{2318759A-D86D-E04E-A69A-5670DD5C43DA}" type="datetimeFigureOut">
               <a:rPr lang="en-US" smtClean="0"/>
-              <a:t>8/21/13</a:t>
+              <a:t>1/12/16</a:t>
             </a:fld>
             <a:endParaRPr lang="en-US"/>
           </a:p>
@@ -1566,7 +1566,7 @@
           <a:p>
             <a:fld id="{2318759A-D86D-E04E-A69A-5670DD5C43DA}" type="datetimeFigureOut">
               <a:rPr lang="en-US" smtClean="0"/>
-              <a:t>8/21/13</a:t>
+              <a:t>1/12/16</a:t>
             </a:fld>
             <a:endParaRPr lang="en-US"/>
           </a:p>
@@ -1817,7 +1817,7 @@
           <a:p>
             <a:fld id="{2318759A-D86D-E04E-A69A-5670DD5C43DA}" type="datetimeFigureOut">
               <a:rPr lang="en-US" smtClean="0"/>
-              <a:t>8/21/13</a:t>
+              <a:t>1/12/16</a:t>
             </a:fld>
             <a:endParaRPr lang="en-US"/>
           </a:p>
@@ -1996,7 +1996,7 @@
           <a:p>
             <a:fld id="{2318759A-D86D-E04E-A69A-5670DD5C43DA}" type="datetimeFigureOut">
               <a:rPr lang="en-US" smtClean="0"/>
-              <a:t>8/21/13</a:t>
+              <a:t>1/12/16</a:t>
             </a:fld>
             <a:endParaRPr lang="en-US"/>
           </a:p>
@@ -2165,7 +2165,7 @@
           <a:p>
             <a:fld id="{2318759A-D86D-E04E-A69A-5670DD5C43DA}" type="datetimeFigureOut">
               <a:rPr lang="en-US" smtClean="0"/>
-              <a:t>8/21/13</a:t>
+              <a:t>1/12/16</a:t>
             </a:fld>
             <a:endParaRPr lang="en-US"/>
           </a:p>
@@ -2434,7 +2434,7 @@
           <a:p>
             <a:fld id="{2318759A-D86D-E04E-A69A-5670DD5C43DA}" type="datetimeFigureOut">
               <a:rPr lang="en-US" smtClean="0"/>
-              <a:t>8/21/13</a:t>
+              <a:t>1/12/16</a:t>
             </a:fld>
             <a:endParaRPr lang="en-US"/>
           </a:p>
@@ -2741,7 +2741,7 @@
           <a:p>
             <a:fld id="{2318759A-D86D-E04E-A69A-5670DD5C43DA}" type="datetimeFigureOut">
               <a:rPr lang="en-US" smtClean="0"/>
-              <a:t>8/21/13</a:t>
+              <a:t>1/12/16</a:t>
             </a:fld>
             <a:endParaRPr lang="en-US"/>
           </a:p>
@@ -3033,7 +3033,7 @@
           <a:p>
             <a:fld id="{2318759A-D86D-E04E-A69A-5670DD5C43DA}" type="datetimeFigureOut">
               <a:rPr lang="en-US" smtClean="0"/>
-              <a:t>8/21/13</a:t>
+              <a:t>1/12/16</a:t>
             </a:fld>
             <a:endParaRPr lang="en-US"/>
           </a:p>
@@ -3463,7 +3463,7 @@
           <a:p>
             <a:fld id="{2318759A-D86D-E04E-A69A-5670DD5C43DA}" type="datetimeFigureOut">
               <a:rPr lang="en-US" smtClean="0"/>
-              <a:t>8/21/13</a:t>
+              <a:t>1/12/16</a:t>
             </a:fld>
             <a:endParaRPr lang="en-US"/>
           </a:p>
@@ -3809,7 +3809,7 @@
           <a:p>
             <a:fld id="{2318759A-D86D-E04E-A69A-5670DD5C43DA}" type="datetimeFigureOut">
               <a:rPr lang="en-US" smtClean="0"/>
-              <a:t>8/21/13</a:t>
+              <a:t>1/12/16</a:t>
             </a:fld>
             <a:endParaRPr lang="en-US"/>
           </a:p>
@@ -3899,7 +3899,7 @@
           <a:p>
             <a:fld id="{2318759A-D86D-E04E-A69A-5670DD5C43DA}" type="datetimeFigureOut">
               <a:rPr lang="en-US" smtClean="0"/>
-              <a:t>8/21/13</a:t>
+              <a:t>1/12/16</a:t>
             </a:fld>
             <a:endParaRPr lang="en-US"/>
           </a:p>
@@ -4236,7 +4236,7 @@
           <a:p>
             <a:fld id="{2318759A-D86D-E04E-A69A-5670DD5C43DA}" type="datetimeFigureOut">
               <a:rPr lang="en-US" smtClean="0"/>
-              <a:t>8/21/13</a:t>
+              <a:t>1/12/16</a:t>
             </a:fld>
             <a:endParaRPr lang="en-US"/>
           </a:p>
@@ -4452,7 +4452,7 @@
           <a:p>
             <a:fld id="{2318759A-D86D-E04E-A69A-5670DD5C43DA}" type="datetimeFigureOut">
               <a:rPr lang="en-US" smtClean="0"/>
-              <a:t>8/21/13</a:t>
+              <a:t>1/12/16</a:t>
             </a:fld>
             <a:endParaRPr lang="en-US"/>
           </a:p>
@@ -6028,22 +6028,23 @@
           <a:p>
             <a:r>
               <a:rPr lang="en-US" dirty="0"/>
-              <a:t>http://</a:t>
-            </a:r>
-            <a:r>
-              <a:rPr lang="en-US" dirty="0" err="1"/>
-              <a:t>twitter.github.com</a:t>
-            </a:r>
-            <a:r>
-              <a:rPr lang="en-US" dirty="0"/>
-              <a:t>/bootstrap/</a:t>
-            </a:r>
+              <a:t>http:/</a:t>
+            </a:r>
+            <a:r>
+              <a:rPr lang="en-US" dirty="0" smtClean="0"/>
+              <a:t>/</a:t>
+            </a:r>
+            <a:r>
+              <a:rPr lang="en-US" dirty="0" err="1" smtClean="0"/>
+              <a:t>getbootstrap.com</a:t>
+            </a:r>
+            <a:endParaRPr lang="en-US" dirty="0"/>
           </a:p>
         </p:txBody>
       </p:sp>
       <p:pic>
         <p:nvPicPr>
-          <p:cNvPr id="4" name="Content Placeholder 3" descr="Screen Shot 2013-01-13 at 9.41.49 PM.png"/>
+          <p:cNvPr id="6" name="Picture Placeholder 5" descr="Screen Shot 2016-01-12 at 10.36.49 AM.png"/>
           <p:cNvPicPr>
             <a:picLocks noGrp="1" noChangeAspect="1"/>
           </p:cNvPicPr>
@@ -6059,7 +6060,7 @@
               </a:ext>
             </a:extLst>
           </a:blip>
-          <a:srcRect t="1861" b="1861"/>
+          <a:srcRect l="4080" r="4080"/>
           <a:stretch>
             <a:fillRect/>
           </a:stretch>
@@ -6251,15 +6252,13 @@
           <a:p>
             <a:r>
               <a:rPr lang="en-US" dirty="0" smtClean="0"/>
-              <a:t>Using the html file provided, create the CSS to make this page.</a:t>
-            </a:r>
-          </a:p>
-          <a:p>
-            <a:r>
-              <a:rPr lang="en-US" dirty="0" smtClean="0"/>
-              <a:t>Submit via Lore</a:t>
-            </a:r>
-            <a:endParaRPr lang="en-US" dirty="0"/>
+              <a:t>Using the html file provided, create the CSS to make this page</a:t>
+            </a:r>
+            <a:r>
+              <a:rPr lang="en-US" dirty="0" smtClean="0"/>
+              <a:t>.</a:t>
+            </a:r>
+            <a:endParaRPr lang="en-US" dirty="0" smtClean="0"/>
           </a:p>
         </p:txBody>
       </p:sp>
